--- a/5-tf.pptx
+++ b/5-tf.pptx
@@ -5,16 +5,27 @@
     <p:sldMasterId id="2147483648" r:id="rId1"/>
   </p:sldMasterIdLst>
   <p:notesMasterIdLst>
-    <p:notesMasterId r:id="rId6"/>
+    <p:notesMasterId r:id="rId17"/>
   </p:notesMasterIdLst>
   <p:handoutMasterIdLst>
-    <p:handoutMasterId r:id="rId7"/>
+    <p:handoutMasterId r:id="rId18"/>
   </p:handoutMasterIdLst>
   <p:sldIdLst>
     <p:sldId id="2305" r:id="rId2"/>
     <p:sldId id="2308" r:id="rId3"/>
     <p:sldId id="2310" r:id="rId4"/>
-    <p:sldId id="2309" r:id="rId5"/>
+    <p:sldId id="2311" r:id="rId5"/>
+    <p:sldId id="2309" r:id="rId6"/>
+    <p:sldId id="2313" r:id="rId7"/>
+    <p:sldId id="2314" r:id="rId8"/>
+    <p:sldId id="2319" r:id="rId9"/>
+    <p:sldId id="2323" r:id="rId10"/>
+    <p:sldId id="2324" r:id="rId11"/>
+    <p:sldId id="2318" r:id="rId12"/>
+    <p:sldId id="2321" r:id="rId13"/>
+    <p:sldId id="2322" r:id="rId14"/>
+    <p:sldId id="2315" r:id="rId15"/>
+    <p:sldId id="2317" r:id="rId16"/>
   </p:sldIdLst>
   <p:sldSz cx="9144000" cy="6858000" type="screen4x3"/>
   <p:notesSz cx="6858000" cy="9144000"/>
@@ -228,7 +239,7 @@
           <a:p>
             <a:fld id="{B1730E14-8C26-4ED5-B7B4-B3979F4F78AA}" type="datetimeFigureOut">
               <a:rPr lang="cs-CZ" smtClean="0"/>
-              <a:t>25.11.2024</a:t>
+              <a:t>27.11.2024</a:t>
             </a:fld>
             <a:endParaRPr lang="cs-CZ"/>
           </a:p>
@@ -393,7 +404,7 @@
           <a:p>
             <a:fld id="{C85954D0-5250-4AAF-8AF5-6CCD0BDB627C}" type="datetimeFigureOut">
               <a:rPr lang="cs-CZ" smtClean="0"/>
-              <a:t>25.11.2024</a:t>
+              <a:t>27.11.2024</a:t>
             </a:fld>
             <a:endParaRPr lang="cs-CZ"/>
           </a:p>
@@ -947,7 +958,7 @@
           <a:p>
             <a:fld id="{95EC1D4A-A796-47C3-A63E-CE236FB377E2}" type="datetimeFigureOut">
               <a:rPr lang="cs-CZ" smtClean="0"/>
-              <a:t>25.11.2024</a:t>
+              <a:t>27.11.2024</a:t>
             </a:fld>
             <a:endParaRPr lang="cs-CZ"/>
           </a:p>
@@ -1110,7 +1121,7 @@
           <a:p>
             <a:fld id="{95EC1D4A-A796-47C3-A63E-CE236FB377E2}" type="datetimeFigureOut">
               <a:rPr lang="cs-CZ" smtClean="0"/>
-              <a:t>25.11.2024</a:t>
+              <a:t>27.11.2024</a:t>
             </a:fld>
             <a:endParaRPr lang="cs-CZ"/>
           </a:p>
@@ -1283,7 +1294,7 @@
           <a:p>
             <a:fld id="{95EC1D4A-A796-47C3-A63E-CE236FB377E2}" type="datetimeFigureOut">
               <a:rPr lang="cs-CZ" smtClean="0"/>
-              <a:t>25.11.2024</a:t>
+              <a:t>27.11.2024</a:t>
             </a:fld>
             <a:endParaRPr lang="cs-CZ"/>
           </a:p>
@@ -1446,7 +1457,7 @@
           <a:p>
             <a:fld id="{95EC1D4A-A796-47C3-A63E-CE236FB377E2}" type="datetimeFigureOut">
               <a:rPr lang="cs-CZ" smtClean="0"/>
-              <a:t>25.11.2024</a:t>
+              <a:t>27.11.2024</a:t>
             </a:fld>
             <a:endParaRPr lang="cs-CZ"/>
           </a:p>
@@ -1609,7 +1620,7 @@
           <a:p>
             <a:fld id="{95EC1D4A-A796-47C3-A63E-CE236FB377E2}" type="datetimeFigureOut">
               <a:rPr lang="cs-CZ" smtClean="0"/>
-              <a:t>25.11.2024</a:t>
+              <a:t>27.11.2024</a:t>
             </a:fld>
             <a:endParaRPr lang="cs-CZ"/>
           </a:p>
@@ -1889,7 +1900,7 @@
           <a:p>
             <a:fld id="{95EC1D4A-A796-47C3-A63E-CE236FB377E2}" type="datetimeFigureOut">
               <a:rPr lang="cs-CZ" smtClean="0"/>
-              <a:t>25.11.2024</a:t>
+              <a:t>27.11.2024</a:t>
             </a:fld>
             <a:endParaRPr lang="cs-CZ"/>
           </a:p>
@@ -2052,7 +2063,7 @@
           <a:p>
             <a:fld id="{95EC1D4A-A796-47C3-A63E-CE236FB377E2}" type="datetimeFigureOut">
               <a:rPr lang="cs-CZ" smtClean="0"/>
-              <a:t>25.11.2024</a:t>
+              <a:t>27.11.2024</a:t>
             </a:fld>
             <a:endParaRPr lang="cs-CZ"/>
           </a:p>
@@ -2215,7 +2226,7 @@
           <a:p>
             <a:fld id="{95EC1D4A-A796-47C3-A63E-CE236FB377E2}" type="datetimeFigureOut">
               <a:rPr lang="cs-CZ" smtClean="0"/>
-              <a:t>25.11.2024</a:t>
+              <a:t>27.11.2024</a:t>
             </a:fld>
             <a:endParaRPr lang="cs-CZ"/>
           </a:p>
@@ -2305,7 +2316,7 @@
           <a:p>
             <a:fld id="{95EC1D4A-A796-47C3-A63E-CE236FB377E2}" type="datetimeFigureOut">
               <a:rPr lang="cs-CZ" smtClean="0"/>
-              <a:t>25.11.2024</a:t>
+              <a:t>27.11.2024</a:t>
             </a:fld>
             <a:endParaRPr lang="cs-CZ"/>
           </a:p>
@@ -2575,7 +2586,7 @@
           <a:p>
             <a:fld id="{95EC1D4A-A796-47C3-A63E-CE236FB377E2}" type="datetimeFigureOut">
               <a:rPr lang="cs-CZ" smtClean="0"/>
-              <a:t>25.11.2024</a:t>
+              <a:t>27.11.2024</a:t>
             </a:fld>
             <a:endParaRPr lang="cs-CZ"/>
           </a:p>
@@ -2822,7 +2833,7 @@
           <a:p>
             <a:fld id="{95EC1D4A-A796-47C3-A63E-CE236FB377E2}" type="datetimeFigureOut">
               <a:rPr lang="cs-CZ" smtClean="0"/>
-              <a:t>25.11.2024</a:t>
+              <a:t>27.11.2024</a:t>
             </a:fld>
             <a:endParaRPr lang="cs-CZ"/>
           </a:p>
@@ -3028,7 +3039,7 @@
           <a:p>
             <a:fld id="{95EC1D4A-A796-47C3-A63E-CE236FB377E2}" type="datetimeFigureOut">
               <a:rPr lang="cs-CZ" smtClean="0"/>
-              <a:t>25.11.2024</a:t>
+              <a:t>27.11.2024</a:t>
             </a:fld>
             <a:endParaRPr lang="cs-CZ"/>
           </a:p>
@@ -3597,6 +3608,896 @@
 </p:sld>
 </file>
 
+<file path=ppt/slides/slide10.xml><?xml version="1.0" encoding="utf-8"?>
+<p:sld xmlns:a="http://schemas.openxmlformats.org/drawingml/2006/main" xmlns:r="http://schemas.openxmlformats.org/officeDocument/2006/relationships" xmlns:p="http://schemas.openxmlformats.org/presentationml/2006/main">
+  <p:cSld>
+    <p:spTree>
+      <p:nvGrpSpPr>
+        <p:cNvPr id="1" name=""/>
+        <p:cNvGrpSpPr/>
+        <p:nvPr/>
+      </p:nvGrpSpPr>
+      <p:grpSpPr>
+        <a:xfrm>
+          <a:off x="0" y="0"/>
+          <a:ext cx="0" cy="0"/>
+          <a:chOff x="0" y="0"/>
+          <a:chExt cx="0" cy="0"/>
+        </a:xfrm>
+      </p:grpSpPr>
+      <p:pic>
+        <p:nvPicPr>
+          <p:cNvPr id="11" name="Obrázek 10">
+            <a:extLst>
+              <a:ext uri="{FF2B5EF4-FFF2-40B4-BE49-F238E27FC236}">
+                <a16:creationId xmlns:a16="http://schemas.microsoft.com/office/drawing/2014/main" id="{4FF4A0B8-B6D8-13AE-15A1-4B15C9EB02F7}"/>
+              </a:ext>
+            </a:extLst>
+          </p:cNvPr>
+          <p:cNvPicPr>
+            <a:picLocks noChangeAspect="1"/>
+          </p:cNvPicPr>
+          <p:nvPr/>
+        </p:nvPicPr>
+        <p:blipFill>
+          <a:blip r:embed="rId2" cstate="print">
+            <a:extLst>
+              <a:ext uri="{28A0092B-C50C-407E-A947-70E740481C1C}">
+                <a14:useLocalDpi xmlns:a14="http://schemas.microsoft.com/office/drawing/2010/main" val="0"/>
+              </a:ext>
+            </a:extLst>
+          </a:blip>
+          <a:stretch>
+            <a:fillRect/>
+          </a:stretch>
+        </p:blipFill>
+        <p:spPr>
+          <a:xfrm>
+            <a:off x="456285" y="166136"/>
+            <a:ext cx="2315515" cy="434160"/>
+          </a:xfrm>
+          <a:prstGeom prst="rect">
+            <a:avLst/>
+          </a:prstGeom>
+        </p:spPr>
+      </p:pic>
+      <p:sp>
+        <p:nvSpPr>
+          <p:cNvPr id="3" name="Zástupný symbol pro text 8"/>
+          <p:cNvSpPr>
+            <a:spLocks noGrp="1"/>
+          </p:cNvSpPr>
+          <p:nvPr>
+            <p:ph type="body" idx="1"/>
+          </p:nvPr>
+        </p:nvSpPr>
+        <p:spPr>
+          <a:xfrm>
+            <a:off x="457200" y="600296"/>
+            <a:ext cx="8229600" cy="5853040"/>
+          </a:xfrm>
+        </p:spPr>
+        <p:txBody>
+          <a:bodyPr/>
+          <a:lstStyle/>
+          <a:p>
+            <a:r>
+              <a:rPr lang="cs-CZ" dirty="0" err="1" smtClean="0"/>
+              <a:t>TFSec</a:t>
+            </a:r>
+            <a:r>
+              <a:rPr lang="cs-CZ" dirty="0" smtClean="0"/>
+              <a:t>, </a:t>
+            </a:r>
+            <a:r>
+              <a:rPr lang="cs-CZ" dirty="0" err="1" smtClean="0"/>
+              <a:t>Checkov</a:t>
+            </a:r>
+            <a:endParaRPr lang="cs-CZ" dirty="0" smtClean="0"/>
+          </a:p>
+          <a:p>
+            <a:pPr lvl="1"/>
+            <a:endParaRPr lang="cs-CZ" dirty="0" smtClean="0"/>
+          </a:p>
+        </p:txBody>
+      </p:sp>
+    </p:spTree>
+    <p:extLst>
+      <p:ext uri="{BB962C8B-B14F-4D97-AF65-F5344CB8AC3E}">
+        <p14:creationId xmlns:p14="http://schemas.microsoft.com/office/powerpoint/2010/main" val="171798640"/>
+      </p:ext>
+    </p:extLst>
+  </p:cSld>
+  <p:clrMapOvr>
+    <a:masterClrMapping/>
+  </p:clrMapOvr>
+  <p:timing>
+    <p:tnLst>
+      <p:par>
+        <p:cTn id="1" dur="indefinite" restart="never" nodeType="tmRoot"/>
+      </p:par>
+    </p:tnLst>
+  </p:timing>
+</p:sld>
+</file>
+
+<file path=ppt/slides/slide11.xml><?xml version="1.0" encoding="utf-8"?>
+<p:sld xmlns:a="http://schemas.openxmlformats.org/drawingml/2006/main" xmlns:r="http://schemas.openxmlformats.org/officeDocument/2006/relationships" xmlns:p="http://schemas.openxmlformats.org/presentationml/2006/main">
+  <p:cSld>
+    <p:spTree>
+      <p:nvGrpSpPr>
+        <p:cNvPr id="1" name=""/>
+        <p:cNvGrpSpPr/>
+        <p:nvPr/>
+      </p:nvGrpSpPr>
+      <p:grpSpPr>
+        <a:xfrm>
+          <a:off x="0" y="0"/>
+          <a:ext cx="0" cy="0"/>
+          <a:chOff x="0" y="0"/>
+          <a:chExt cx="0" cy="0"/>
+        </a:xfrm>
+      </p:grpSpPr>
+      <p:pic>
+        <p:nvPicPr>
+          <p:cNvPr id="11" name="Obrázek 10">
+            <a:extLst>
+              <a:ext uri="{FF2B5EF4-FFF2-40B4-BE49-F238E27FC236}">
+                <a16:creationId xmlns:a16="http://schemas.microsoft.com/office/drawing/2014/main" id="{4FF4A0B8-B6D8-13AE-15A1-4B15C9EB02F7}"/>
+              </a:ext>
+            </a:extLst>
+          </p:cNvPr>
+          <p:cNvPicPr>
+            <a:picLocks noChangeAspect="1"/>
+          </p:cNvPicPr>
+          <p:nvPr/>
+        </p:nvPicPr>
+        <p:blipFill>
+          <a:blip r:embed="rId2" cstate="print">
+            <a:extLst>
+              <a:ext uri="{28A0092B-C50C-407E-A947-70E740481C1C}">
+                <a14:useLocalDpi xmlns:a14="http://schemas.microsoft.com/office/drawing/2010/main" val="0"/>
+              </a:ext>
+            </a:extLst>
+          </a:blip>
+          <a:stretch>
+            <a:fillRect/>
+          </a:stretch>
+        </p:blipFill>
+        <p:spPr>
+          <a:xfrm>
+            <a:off x="456285" y="166136"/>
+            <a:ext cx="2315515" cy="434160"/>
+          </a:xfrm>
+          <a:prstGeom prst="rect">
+            <a:avLst/>
+          </a:prstGeom>
+        </p:spPr>
+      </p:pic>
+      <p:sp>
+        <p:nvSpPr>
+          <p:cNvPr id="3" name="Zástupný symbol pro text 8"/>
+          <p:cNvSpPr>
+            <a:spLocks noGrp="1"/>
+          </p:cNvSpPr>
+          <p:nvPr>
+            <p:ph type="body" idx="1"/>
+          </p:nvPr>
+        </p:nvSpPr>
+        <p:spPr>
+          <a:xfrm>
+            <a:off x="457200" y="600296"/>
+            <a:ext cx="8229600" cy="5853040"/>
+          </a:xfrm>
+        </p:spPr>
+        <p:txBody>
+          <a:bodyPr/>
+          <a:lstStyle/>
+          <a:p>
+            <a:r>
+              <a:rPr lang="cs-CZ" dirty="0" err="1" smtClean="0"/>
+              <a:t>IaC</a:t>
+            </a:r>
+            <a:r>
+              <a:rPr lang="cs-CZ" dirty="0" smtClean="0"/>
+              <a:t> </a:t>
+            </a:r>
+            <a:r>
+              <a:rPr lang="cs-CZ" dirty="0" err="1" smtClean="0"/>
+              <a:t>deployment</a:t>
+            </a:r>
+            <a:r>
+              <a:rPr lang="cs-CZ" dirty="0" smtClean="0"/>
+              <a:t> – </a:t>
+            </a:r>
+            <a:r>
+              <a:rPr lang="cs-CZ" dirty="0" err="1" smtClean="0"/>
+              <a:t>GitHub</a:t>
+            </a:r>
+            <a:r>
+              <a:rPr lang="cs-CZ" dirty="0" smtClean="0"/>
+              <a:t> </a:t>
+            </a:r>
+            <a:r>
+              <a:rPr lang="cs-CZ" dirty="0" err="1" smtClean="0"/>
+              <a:t>Workflow</a:t>
+            </a:r>
+            <a:endParaRPr lang="cs-CZ" dirty="0" smtClean="0"/>
+          </a:p>
+          <a:p>
+            <a:pPr lvl="1"/>
+            <a:r>
+              <a:rPr lang="cs-CZ" sz="2000" dirty="0">
+                <a:hlinkClick r:id="rId3"/>
+              </a:rPr>
+              <a:t>https://</a:t>
+            </a:r>
+            <a:r>
+              <a:rPr lang="cs-CZ" sz="2000" dirty="0" smtClean="0">
+                <a:hlinkClick r:id="rId3"/>
+              </a:rPr>
+              <a:t>github.com/Azure-Samples/terraform-github-actions</a:t>
+            </a:r>
+            <a:endParaRPr lang="cs-CZ" sz="2000" dirty="0" smtClean="0"/>
+          </a:p>
+          <a:p>
+            <a:pPr marL="457200" lvl="1" indent="0">
+              <a:buNone/>
+            </a:pPr>
+            <a:endParaRPr lang="cs-CZ" sz="2000" dirty="0"/>
+          </a:p>
+          <a:p>
+            <a:pPr marL="457200" lvl="1" indent="0">
+              <a:buNone/>
+            </a:pPr>
+            <a:r>
+              <a:rPr lang="cs-CZ" sz="2000" dirty="0" smtClean="0"/>
+              <a:t/>
+            </a:r>
+            <a:br>
+              <a:rPr lang="cs-CZ" sz="2000" dirty="0" smtClean="0"/>
+            </a:br>
+            <a:r>
+              <a:rPr lang="cs-CZ" sz="2000" dirty="0" smtClean="0"/>
+              <a:t/>
+            </a:r>
+            <a:br>
+              <a:rPr lang="cs-CZ" sz="2000" dirty="0" smtClean="0"/>
+            </a:br>
+            <a:r>
+              <a:rPr lang="cs-CZ" sz="2000" dirty="0" smtClean="0"/>
+              <a:t/>
+            </a:r>
+            <a:br>
+              <a:rPr lang="cs-CZ" sz="2000" dirty="0" smtClean="0"/>
+            </a:br>
+            <a:r>
+              <a:rPr lang="cs-CZ" sz="2000" dirty="0"/>
+              <a:t/>
+            </a:r>
+            <a:br>
+              <a:rPr lang="cs-CZ" sz="2000" dirty="0"/>
+            </a:br>
+            <a:endParaRPr lang="cs-CZ" sz="2000" dirty="0" smtClean="0"/>
+          </a:p>
+          <a:p>
+            <a:pPr lvl="1"/>
+            <a:endParaRPr lang="cs-CZ" sz="2000" dirty="0"/>
+          </a:p>
+          <a:p>
+            <a:pPr lvl="1"/>
+            <a:endParaRPr lang="cs-CZ" sz="2000" dirty="0" smtClean="0"/>
+          </a:p>
+        </p:txBody>
+      </p:sp>
+      <p:pic>
+        <p:nvPicPr>
+          <p:cNvPr id="1026" name="Picture 2" descr="GitHub Actions CICD for Terraform"/>
+          <p:cNvPicPr>
+            <a:picLocks noChangeAspect="1" noChangeArrowheads="1"/>
+          </p:cNvPicPr>
+          <p:nvPr/>
+        </p:nvPicPr>
+        <p:blipFill>
+          <a:blip r:embed="rId4" cstate="print">
+            <a:extLst>
+              <a:ext uri="{28A0092B-C50C-407E-A947-70E740481C1C}">
+                <a14:useLocalDpi xmlns:a14="http://schemas.microsoft.com/office/drawing/2010/main" val="0"/>
+              </a:ext>
+            </a:extLst>
+          </a:blip>
+          <a:srcRect/>
+          <a:stretch>
+            <a:fillRect/>
+          </a:stretch>
+        </p:blipFill>
+        <p:spPr bwMode="auto">
+          <a:xfrm>
+            <a:off x="682216" y="1988840"/>
+            <a:ext cx="7779567" cy="3456384"/>
+          </a:xfrm>
+          <a:prstGeom prst="rect">
+            <a:avLst/>
+          </a:prstGeom>
+          <a:noFill/>
+          <a:extLst>
+            <a:ext uri="{909E8E84-426E-40DD-AFC4-6F175D3DCCD1}">
+              <a14:hiddenFill xmlns:a14="http://schemas.microsoft.com/office/drawing/2010/main">
+                <a:solidFill>
+                  <a:srgbClr val="FFFFFF"/>
+                </a:solidFill>
+              </a14:hiddenFill>
+            </a:ext>
+          </a:extLst>
+        </p:spPr>
+      </p:pic>
+    </p:spTree>
+    <p:extLst>
+      <p:ext uri="{BB962C8B-B14F-4D97-AF65-F5344CB8AC3E}">
+        <p14:creationId xmlns:p14="http://schemas.microsoft.com/office/powerpoint/2010/main" val="3981123125"/>
+      </p:ext>
+    </p:extLst>
+  </p:cSld>
+  <p:clrMapOvr>
+    <a:masterClrMapping/>
+  </p:clrMapOvr>
+  <p:timing>
+    <p:tnLst>
+      <p:par>
+        <p:cTn id="1" dur="indefinite" restart="never" nodeType="tmRoot"/>
+      </p:par>
+    </p:tnLst>
+  </p:timing>
+</p:sld>
+</file>
+
+<file path=ppt/slides/slide12.xml><?xml version="1.0" encoding="utf-8"?>
+<p:sld xmlns:a="http://schemas.openxmlformats.org/drawingml/2006/main" xmlns:r="http://schemas.openxmlformats.org/officeDocument/2006/relationships" xmlns:p="http://schemas.openxmlformats.org/presentationml/2006/main">
+  <p:cSld>
+    <p:spTree>
+      <p:nvGrpSpPr>
+        <p:cNvPr id="1" name=""/>
+        <p:cNvGrpSpPr/>
+        <p:nvPr/>
+      </p:nvGrpSpPr>
+      <p:grpSpPr>
+        <a:xfrm>
+          <a:off x="0" y="0"/>
+          <a:ext cx="0" cy="0"/>
+          <a:chOff x="0" y="0"/>
+          <a:chExt cx="0" cy="0"/>
+        </a:xfrm>
+      </p:grpSpPr>
+      <p:pic>
+        <p:nvPicPr>
+          <p:cNvPr id="11" name="Obrázek 10">
+            <a:extLst>
+              <a:ext uri="{FF2B5EF4-FFF2-40B4-BE49-F238E27FC236}">
+                <a16:creationId xmlns:a16="http://schemas.microsoft.com/office/drawing/2014/main" id="{4FF4A0B8-B6D8-13AE-15A1-4B15C9EB02F7}"/>
+              </a:ext>
+            </a:extLst>
+          </p:cNvPr>
+          <p:cNvPicPr>
+            <a:picLocks noChangeAspect="1"/>
+          </p:cNvPicPr>
+          <p:nvPr/>
+        </p:nvPicPr>
+        <p:blipFill>
+          <a:blip r:embed="rId2" cstate="print">
+            <a:extLst>
+              <a:ext uri="{28A0092B-C50C-407E-A947-70E740481C1C}">
+                <a14:useLocalDpi xmlns:a14="http://schemas.microsoft.com/office/drawing/2010/main" val="0"/>
+              </a:ext>
+            </a:extLst>
+          </a:blip>
+          <a:stretch>
+            <a:fillRect/>
+          </a:stretch>
+        </p:blipFill>
+        <p:spPr>
+          <a:xfrm>
+            <a:off x="456285" y="166136"/>
+            <a:ext cx="2315515" cy="434160"/>
+          </a:xfrm>
+          <a:prstGeom prst="rect">
+            <a:avLst/>
+          </a:prstGeom>
+        </p:spPr>
+      </p:pic>
+      <p:sp>
+        <p:nvSpPr>
+          <p:cNvPr id="3" name="Zástupný symbol pro text 8"/>
+          <p:cNvSpPr>
+            <a:spLocks noGrp="1"/>
+          </p:cNvSpPr>
+          <p:nvPr>
+            <p:ph type="body" idx="1"/>
+          </p:nvPr>
+        </p:nvSpPr>
+        <p:spPr>
+          <a:xfrm>
+            <a:off x="457200" y="600296"/>
+            <a:ext cx="8229600" cy="5853040"/>
+          </a:xfrm>
+        </p:spPr>
+        <p:txBody>
+          <a:bodyPr/>
+          <a:lstStyle/>
+          <a:p>
+            <a:r>
+              <a:rPr lang="cs-CZ" dirty="0" err="1" smtClean="0"/>
+              <a:t>Terraform</a:t>
+            </a:r>
+            <a:r>
+              <a:rPr lang="cs-CZ" dirty="0" smtClean="0"/>
+              <a:t> </a:t>
+            </a:r>
+            <a:r>
+              <a:rPr lang="cs-CZ" dirty="0" err="1" smtClean="0"/>
+              <a:t>Cloud</a:t>
+            </a:r>
+            <a:endParaRPr lang="cs-CZ" dirty="0" smtClean="0"/>
+          </a:p>
+        </p:txBody>
+      </p:sp>
+    </p:spTree>
+    <p:extLst>
+      <p:ext uri="{BB962C8B-B14F-4D97-AF65-F5344CB8AC3E}">
+        <p14:creationId xmlns:p14="http://schemas.microsoft.com/office/powerpoint/2010/main" val="3403670447"/>
+      </p:ext>
+    </p:extLst>
+  </p:cSld>
+  <p:clrMapOvr>
+    <a:masterClrMapping/>
+  </p:clrMapOvr>
+  <p:timing>
+    <p:tnLst>
+      <p:par>
+        <p:cTn id="1" dur="indefinite" restart="never" nodeType="tmRoot"/>
+      </p:par>
+    </p:tnLst>
+  </p:timing>
+</p:sld>
+</file>
+
+<file path=ppt/slides/slide13.xml><?xml version="1.0" encoding="utf-8"?>
+<p:sld xmlns:a="http://schemas.openxmlformats.org/drawingml/2006/main" xmlns:r="http://schemas.openxmlformats.org/officeDocument/2006/relationships" xmlns:p="http://schemas.openxmlformats.org/presentationml/2006/main">
+  <p:cSld>
+    <p:spTree>
+      <p:nvGrpSpPr>
+        <p:cNvPr id="1" name=""/>
+        <p:cNvGrpSpPr/>
+        <p:nvPr/>
+      </p:nvGrpSpPr>
+      <p:grpSpPr>
+        <a:xfrm>
+          <a:off x="0" y="0"/>
+          <a:ext cx="0" cy="0"/>
+          <a:chOff x="0" y="0"/>
+          <a:chExt cx="0" cy="0"/>
+        </a:xfrm>
+      </p:grpSpPr>
+      <p:pic>
+        <p:nvPicPr>
+          <p:cNvPr id="11" name="Obrázek 10">
+            <a:extLst>
+              <a:ext uri="{FF2B5EF4-FFF2-40B4-BE49-F238E27FC236}">
+                <a16:creationId xmlns:a16="http://schemas.microsoft.com/office/drawing/2014/main" id="{4FF4A0B8-B6D8-13AE-15A1-4B15C9EB02F7}"/>
+              </a:ext>
+            </a:extLst>
+          </p:cNvPr>
+          <p:cNvPicPr>
+            <a:picLocks noChangeAspect="1"/>
+          </p:cNvPicPr>
+          <p:nvPr/>
+        </p:nvPicPr>
+        <p:blipFill>
+          <a:blip r:embed="rId2" cstate="print">
+            <a:extLst>
+              <a:ext uri="{28A0092B-C50C-407E-A947-70E740481C1C}">
+                <a14:useLocalDpi xmlns:a14="http://schemas.microsoft.com/office/drawing/2010/main" val="0"/>
+              </a:ext>
+            </a:extLst>
+          </a:blip>
+          <a:stretch>
+            <a:fillRect/>
+          </a:stretch>
+        </p:blipFill>
+        <p:spPr>
+          <a:xfrm>
+            <a:off x="456285" y="166136"/>
+            <a:ext cx="2315515" cy="434160"/>
+          </a:xfrm>
+          <a:prstGeom prst="rect">
+            <a:avLst/>
+          </a:prstGeom>
+        </p:spPr>
+      </p:pic>
+      <p:sp>
+        <p:nvSpPr>
+          <p:cNvPr id="3" name="Zástupný symbol pro text 8"/>
+          <p:cNvSpPr>
+            <a:spLocks noGrp="1"/>
+          </p:cNvSpPr>
+          <p:nvPr>
+            <p:ph type="body" idx="1"/>
+          </p:nvPr>
+        </p:nvSpPr>
+        <p:spPr>
+          <a:xfrm>
+            <a:off x="457200" y="600296"/>
+            <a:ext cx="8229600" cy="5853040"/>
+          </a:xfrm>
+        </p:spPr>
+        <p:txBody>
+          <a:bodyPr/>
+          <a:lstStyle/>
+          <a:p>
+            <a:r>
+              <a:rPr lang="cs-CZ" dirty="0" err="1" smtClean="0"/>
+              <a:t>GitHub</a:t>
+            </a:r>
+            <a:r>
+              <a:rPr lang="cs-CZ" dirty="0" smtClean="0"/>
+              <a:t> </a:t>
+            </a:r>
+            <a:endParaRPr lang="cs-CZ" dirty="0" smtClean="0"/>
+          </a:p>
+        </p:txBody>
+      </p:sp>
+    </p:spTree>
+    <p:extLst>
+      <p:ext uri="{BB962C8B-B14F-4D97-AF65-F5344CB8AC3E}">
+        <p14:creationId xmlns:p14="http://schemas.microsoft.com/office/powerpoint/2010/main" val="1132035725"/>
+      </p:ext>
+    </p:extLst>
+  </p:cSld>
+  <p:clrMapOvr>
+    <a:masterClrMapping/>
+  </p:clrMapOvr>
+  <p:timing>
+    <p:tnLst>
+      <p:par>
+        <p:cTn id="1" dur="indefinite" restart="never" nodeType="tmRoot"/>
+      </p:par>
+    </p:tnLst>
+  </p:timing>
+</p:sld>
+</file>
+
+<file path=ppt/slides/slide14.xml><?xml version="1.0" encoding="utf-8"?>
+<p:sld xmlns:a="http://schemas.openxmlformats.org/drawingml/2006/main" xmlns:r="http://schemas.openxmlformats.org/officeDocument/2006/relationships" xmlns:p="http://schemas.openxmlformats.org/presentationml/2006/main">
+  <p:cSld>
+    <p:spTree>
+      <p:nvGrpSpPr>
+        <p:cNvPr id="1" name=""/>
+        <p:cNvGrpSpPr/>
+        <p:nvPr/>
+      </p:nvGrpSpPr>
+      <p:grpSpPr>
+        <a:xfrm>
+          <a:off x="0" y="0"/>
+          <a:ext cx="0" cy="0"/>
+          <a:chOff x="0" y="0"/>
+          <a:chExt cx="0" cy="0"/>
+        </a:xfrm>
+      </p:grpSpPr>
+      <p:pic>
+        <p:nvPicPr>
+          <p:cNvPr id="11" name="Obrázek 10">
+            <a:extLst>
+              <a:ext uri="{FF2B5EF4-FFF2-40B4-BE49-F238E27FC236}">
+                <a16:creationId xmlns:a16="http://schemas.microsoft.com/office/drawing/2014/main" id="{4FF4A0B8-B6D8-13AE-15A1-4B15C9EB02F7}"/>
+              </a:ext>
+            </a:extLst>
+          </p:cNvPr>
+          <p:cNvPicPr>
+            <a:picLocks noChangeAspect="1"/>
+          </p:cNvPicPr>
+          <p:nvPr/>
+        </p:nvPicPr>
+        <p:blipFill>
+          <a:blip r:embed="rId2" cstate="print">
+            <a:extLst>
+              <a:ext uri="{28A0092B-C50C-407E-A947-70E740481C1C}">
+                <a14:useLocalDpi xmlns:a14="http://schemas.microsoft.com/office/drawing/2010/main" val="0"/>
+              </a:ext>
+            </a:extLst>
+          </a:blip>
+          <a:stretch>
+            <a:fillRect/>
+          </a:stretch>
+        </p:blipFill>
+        <p:spPr>
+          <a:xfrm>
+            <a:off x="456285" y="166136"/>
+            <a:ext cx="2315515" cy="434160"/>
+          </a:xfrm>
+          <a:prstGeom prst="rect">
+            <a:avLst/>
+          </a:prstGeom>
+        </p:spPr>
+      </p:pic>
+      <p:sp>
+        <p:nvSpPr>
+          <p:cNvPr id="3" name="Zástupný symbol pro text 8"/>
+          <p:cNvSpPr>
+            <a:spLocks noGrp="1"/>
+          </p:cNvSpPr>
+          <p:nvPr>
+            <p:ph type="body" idx="1"/>
+          </p:nvPr>
+        </p:nvSpPr>
+        <p:spPr>
+          <a:xfrm>
+            <a:off x="457200" y="600296"/>
+            <a:ext cx="8229600" cy="5853040"/>
+          </a:xfrm>
+        </p:spPr>
+        <p:txBody>
+          <a:bodyPr/>
+          <a:lstStyle/>
+          <a:p>
+            <a:pPr lvl="1"/>
+            <a:r>
+              <a:rPr lang="cs-CZ" dirty="0" smtClean="0"/>
+              <a:t>AWS </a:t>
+            </a:r>
+            <a:r>
+              <a:rPr lang="cs-CZ" dirty="0" err="1" smtClean="0"/>
+              <a:t>secrets</a:t>
+            </a:r>
+            <a:r>
+              <a:rPr lang="cs-CZ" dirty="0" smtClean="0"/>
+              <a:t> </a:t>
+            </a:r>
+            <a:r>
+              <a:rPr lang="cs-CZ" dirty="0" err="1" smtClean="0"/>
+              <a:t>during</a:t>
+            </a:r>
+            <a:r>
+              <a:rPr lang="cs-CZ" dirty="0" smtClean="0"/>
+              <a:t> </a:t>
+            </a:r>
+            <a:r>
+              <a:rPr lang="cs-CZ" dirty="0" err="1" smtClean="0"/>
+              <a:t>planning</a:t>
+            </a:r>
+            <a:endParaRPr lang="cs-CZ" dirty="0" smtClean="0"/>
+          </a:p>
+        </p:txBody>
+      </p:sp>
+    </p:spTree>
+    <p:extLst>
+      <p:ext uri="{BB962C8B-B14F-4D97-AF65-F5344CB8AC3E}">
+        <p14:creationId xmlns:p14="http://schemas.microsoft.com/office/powerpoint/2010/main" val="3213019908"/>
+      </p:ext>
+    </p:extLst>
+  </p:cSld>
+  <p:clrMapOvr>
+    <a:masterClrMapping/>
+  </p:clrMapOvr>
+  <p:timing>
+    <p:tnLst>
+      <p:par>
+        <p:cTn id="1" dur="indefinite" restart="never" nodeType="tmRoot"/>
+      </p:par>
+    </p:tnLst>
+  </p:timing>
+</p:sld>
+</file>
+
+<file path=ppt/slides/slide15.xml><?xml version="1.0" encoding="utf-8"?>
+<p:sld xmlns:a="http://schemas.openxmlformats.org/drawingml/2006/main" xmlns:r="http://schemas.openxmlformats.org/officeDocument/2006/relationships" xmlns:p="http://schemas.openxmlformats.org/presentationml/2006/main">
+  <p:cSld>
+    <p:spTree>
+      <p:nvGrpSpPr>
+        <p:cNvPr id="1" name=""/>
+        <p:cNvGrpSpPr/>
+        <p:nvPr/>
+      </p:nvGrpSpPr>
+      <p:grpSpPr>
+        <a:xfrm>
+          <a:off x="0" y="0"/>
+          <a:ext cx="0" cy="0"/>
+          <a:chOff x="0" y="0"/>
+          <a:chExt cx="0" cy="0"/>
+        </a:xfrm>
+      </p:grpSpPr>
+      <p:pic>
+        <p:nvPicPr>
+          <p:cNvPr id="11" name="Obrázek 10">
+            <a:extLst>
+              <a:ext uri="{FF2B5EF4-FFF2-40B4-BE49-F238E27FC236}">
+                <a16:creationId xmlns:a16="http://schemas.microsoft.com/office/drawing/2014/main" id="{4FF4A0B8-B6D8-13AE-15A1-4B15C9EB02F7}"/>
+              </a:ext>
+            </a:extLst>
+          </p:cNvPr>
+          <p:cNvPicPr>
+            <a:picLocks noChangeAspect="1"/>
+          </p:cNvPicPr>
+          <p:nvPr/>
+        </p:nvPicPr>
+        <p:blipFill>
+          <a:blip r:embed="rId2" cstate="print">
+            <a:extLst>
+              <a:ext uri="{28A0092B-C50C-407E-A947-70E740481C1C}">
+                <a14:useLocalDpi xmlns:a14="http://schemas.microsoft.com/office/drawing/2010/main" val="0"/>
+              </a:ext>
+            </a:extLst>
+          </a:blip>
+          <a:stretch>
+            <a:fillRect/>
+          </a:stretch>
+        </p:blipFill>
+        <p:spPr>
+          <a:xfrm>
+            <a:off x="456285" y="166136"/>
+            <a:ext cx="2315515" cy="434160"/>
+          </a:xfrm>
+          <a:prstGeom prst="rect">
+            <a:avLst/>
+          </a:prstGeom>
+        </p:spPr>
+      </p:pic>
+      <p:sp>
+        <p:nvSpPr>
+          <p:cNvPr id="3" name="Zástupný symbol pro text 8"/>
+          <p:cNvSpPr>
+            <a:spLocks noGrp="1"/>
+          </p:cNvSpPr>
+          <p:nvPr>
+            <p:ph type="body" idx="1"/>
+          </p:nvPr>
+        </p:nvSpPr>
+        <p:spPr>
+          <a:xfrm>
+            <a:off x="457200" y="600296"/>
+            <a:ext cx="8229600" cy="5853040"/>
+          </a:xfrm>
+        </p:spPr>
+        <p:txBody>
+          <a:bodyPr/>
+          <a:lstStyle/>
+          <a:p>
+            <a:pPr lvl="1"/>
+            <a:r>
+              <a:rPr lang="cs-CZ" dirty="0" smtClean="0"/>
+              <a:t>Úkoly</a:t>
+            </a:r>
+          </a:p>
+          <a:p>
+            <a:pPr lvl="2"/>
+            <a:r>
+              <a:rPr lang="cs-CZ" dirty="0" smtClean="0"/>
+              <a:t>Nainstalovat </a:t>
+            </a:r>
+            <a:r>
+              <a:rPr lang="cs-CZ" dirty="0" err="1" smtClean="0"/>
+              <a:t>pre-commit</a:t>
+            </a:r>
+            <a:endParaRPr lang="cs-CZ" dirty="0" smtClean="0"/>
+          </a:p>
+          <a:p>
+            <a:pPr lvl="2"/>
+            <a:r>
+              <a:rPr lang="cs-CZ" dirty="0" smtClean="0"/>
+              <a:t>Otestovat </a:t>
+            </a:r>
+            <a:r>
+              <a:rPr lang="cs-CZ" dirty="0" err="1" smtClean="0"/>
+              <a:t>checkov</a:t>
+            </a:r>
+            <a:r>
+              <a:rPr lang="cs-CZ" dirty="0" smtClean="0"/>
+              <a:t> a </a:t>
+            </a:r>
+            <a:r>
+              <a:rPr lang="cs-CZ" dirty="0" err="1" smtClean="0"/>
+              <a:t>tfsec</a:t>
+            </a:r>
+            <a:endParaRPr lang="cs-CZ" dirty="0" smtClean="0"/>
+          </a:p>
+          <a:p>
+            <a:pPr lvl="2"/>
+            <a:r>
+              <a:rPr lang="cs-CZ" dirty="0" smtClean="0"/>
+              <a:t>Udělat </a:t>
+            </a:r>
+            <a:r>
+              <a:rPr lang="cs-CZ" dirty="0" smtClean="0"/>
+              <a:t>společně modul, najít chybu v testu, udělat </a:t>
+            </a:r>
+            <a:r>
+              <a:rPr lang="cs-CZ" dirty="0" err="1" smtClean="0"/>
+              <a:t>release</a:t>
+            </a:r>
+            <a:endParaRPr lang="cs-CZ" dirty="0" smtClean="0"/>
+          </a:p>
+          <a:p>
+            <a:pPr marL="914400" lvl="2" indent="0">
+              <a:buNone/>
+            </a:pPr>
+            <a:endParaRPr lang="cs-CZ" dirty="0"/>
+          </a:p>
+          <a:p>
+            <a:pPr marL="914400" lvl="2" indent="0">
+              <a:buNone/>
+            </a:pPr>
+            <a:endParaRPr lang="cs-CZ" dirty="0" smtClean="0"/>
+          </a:p>
+          <a:p>
+            <a:pPr marL="914400" lvl="2" indent="0">
+              <a:buNone/>
+            </a:pPr>
+            <a:endParaRPr lang="cs-CZ" dirty="0"/>
+          </a:p>
+          <a:p>
+            <a:pPr lvl="1"/>
+            <a:r>
+              <a:rPr lang="en-US" dirty="0"/>
+              <a:t>% export AWS_ACCESS_KEY_ID="</a:t>
+            </a:r>
+            <a:r>
+              <a:rPr lang="en-US" dirty="0" err="1"/>
+              <a:t>anaccesskey</a:t>
+            </a:r>
+            <a:r>
+              <a:rPr lang="en-US" dirty="0"/>
+              <a:t>"</a:t>
+            </a:r>
+          </a:p>
+          <a:p>
+            <a:pPr lvl="1"/>
+            <a:r>
+              <a:rPr lang="en-US" dirty="0"/>
+              <a:t>% export AWS_SECRET_ACCESS_KEY="</a:t>
+            </a:r>
+            <a:r>
+              <a:rPr lang="en-US" dirty="0" err="1"/>
+              <a:t>asecretkey</a:t>
+            </a:r>
+            <a:r>
+              <a:rPr lang="en-US" dirty="0"/>
+              <a:t>"</a:t>
+            </a:r>
+          </a:p>
+          <a:p>
+            <a:pPr lvl="1"/>
+            <a:r>
+              <a:rPr lang="en-US" dirty="0"/>
+              <a:t>% terraform plan</a:t>
+            </a:r>
+            <a:endParaRPr lang="cs-CZ" dirty="0"/>
+          </a:p>
+          <a:p>
+            <a:pPr marL="914400" lvl="2" indent="0">
+              <a:buNone/>
+            </a:pPr>
+            <a:endParaRPr lang="cs-CZ" dirty="0" smtClean="0"/>
+          </a:p>
+        </p:txBody>
+      </p:sp>
+    </p:spTree>
+    <p:extLst>
+      <p:ext uri="{BB962C8B-B14F-4D97-AF65-F5344CB8AC3E}">
+        <p14:creationId xmlns:p14="http://schemas.microsoft.com/office/powerpoint/2010/main" val="3573476398"/>
+      </p:ext>
+    </p:extLst>
+  </p:cSld>
+  <p:clrMapOvr>
+    <a:masterClrMapping/>
+  </p:clrMapOvr>
+  <p:timing>
+    <p:tnLst>
+      <p:par>
+        <p:cTn id="1" dur="indefinite" restart="never" nodeType="tmRoot"/>
+      </p:par>
+    </p:tnLst>
+  </p:timing>
+</p:sld>
+</file>
+
 <file path=ppt/slides/slide2.xml><?xml version="1.0" encoding="utf-8"?>
 <p:sld xmlns:a="http://schemas.openxmlformats.org/drawingml/2006/main" xmlns:r="http://schemas.openxmlformats.org/officeDocument/2006/relationships" xmlns:p="http://schemas.openxmlformats.org/presentationml/2006/main">
   <p:cSld>
@@ -3736,18 +4637,7 @@
                 </a:solidFill>
                 <a:latin typeface="Consolas" panose="020B0609020204030204" pitchFamily="49" charset="0"/>
               </a:rPr>
-              <a:t>terraform</a:t>
-            </a:r>
-            <a:r>
-              <a:rPr lang="cs-CZ" sz="1800" dirty="0" err="1" smtClean="0">
-                <a:solidFill>
-                  <a:schemeClr val="accent6">
-                    <a:lumMod val="75000"/>
-                  </a:schemeClr>
-                </a:solidFill>
-                <a:latin typeface="Consolas" panose="020B0609020204030204" pitchFamily="49" charset="0"/>
-              </a:rPr>
-              <a:t>.tfstate</a:t>
+              <a:t>terraform.tfstate</a:t>
             </a:r>
             <a:endParaRPr lang="cs-CZ" sz="1800" dirty="0" smtClean="0">
               <a:solidFill>
@@ -3982,6 +4872,21 @@
             </a:r>
             <a:endParaRPr lang="cs-CZ" dirty="0" smtClean="0"/>
           </a:p>
+          <a:p>
+            <a:pPr lvl="1"/>
+            <a:r>
+              <a:rPr lang="cs-CZ" dirty="0" smtClean="0"/>
+              <a:t>Použití VCS (v ukázkách dále </a:t>
+            </a:r>
+            <a:r>
+              <a:rPr lang="cs-CZ" dirty="0" err="1" smtClean="0"/>
+              <a:t>GitHub</a:t>
+            </a:r>
+            <a:r>
+              <a:rPr lang="cs-CZ" dirty="0" smtClean="0"/>
+              <a:t>)</a:t>
+            </a:r>
+          </a:p>
         </p:txBody>
       </p:sp>
     </p:spTree>
@@ -4077,14 +4982,1250 @@
           <a:bodyPr/>
           <a:lstStyle/>
           <a:p>
+            <a:r>
+              <a:rPr lang="cs-CZ" dirty="0" smtClean="0"/>
+              <a:t>Vytvoření modulu – </a:t>
+            </a:r>
+            <a:r>
+              <a:rPr lang="cs-CZ" dirty="0" err="1" smtClean="0"/>
+              <a:t>GitHub</a:t>
+            </a:r>
+            <a:r>
+              <a:rPr lang="cs-CZ" dirty="0" smtClean="0"/>
+              <a:t> </a:t>
+            </a:r>
+            <a:r>
+              <a:rPr lang="cs-CZ" dirty="0" err="1" smtClean="0"/>
+              <a:t>Workflow</a:t>
+            </a:r>
             <a:endParaRPr lang="cs-CZ" dirty="0" smtClean="0"/>
           </a:p>
-        </p:txBody>
-      </p:sp>
+          <a:p>
+            <a:pPr lvl="1"/>
+            <a:r>
+              <a:rPr lang="cs-CZ" sz="2000" dirty="0" smtClean="0"/>
+              <a:t>Použijeme následující strukturu</a:t>
+            </a:r>
+            <a:br>
+              <a:rPr lang="cs-CZ" sz="2000" dirty="0" smtClean="0"/>
+            </a:br>
+            <a:r>
+              <a:rPr lang="cs-CZ" sz="2000" dirty="0" smtClean="0"/>
+              <a:t/>
+            </a:r>
+            <a:br>
+              <a:rPr lang="cs-CZ" sz="2000" dirty="0" smtClean="0"/>
+            </a:br>
+            <a:r>
+              <a:rPr lang="cs-CZ" sz="2000" dirty="0" smtClean="0"/>
+              <a:t/>
+            </a:r>
+            <a:br>
+              <a:rPr lang="cs-CZ" sz="2000" dirty="0" smtClean="0"/>
+            </a:br>
+            <a:r>
+              <a:rPr lang="cs-CZ" sz="2000" dirty="0" smtClean="0"/>
+              <a:t/>
+            </a:r>
+            <a:br>
+              <a:rPr lang="cs-CZ" sz="2000" dirty="0" smtClean="0"/>
+            </a:br>
+            <a:r>
+              <a:rPr lang="cs-CZ" sz="2000" dirty="0" smtClean="0"/>
+              <a:t/>
+            </a:r>
+            <a:br>
+              <a:rPr lang="cs-CZ" sz="2000" dirty="0" smtClean="0"/>
+            </a:br>
+            <a:r>
+              <a:rPr lang="cs-CZ" sz="2000" dirty="0" smtClean="0"/>
+              <a:t/>
+            </a:r>
+            <a:br>
+              <a:rPr lang="cs-CZ" sz="2000" dirty="0" smtClean="0"/>
+            </a:br>
+            <a:r>
+              <a:rPr lang="cs-CZ" sz="2000" dirty="0" smtClean="0"/>
+              <a:t/>
+            </a:r>
+            <a:br>
+              <a:rPr lang="cs-CZ" sz="2000" dirty="0" smtClean="0"/>
+            </a:br>
+            <a:endParaRPr lang="cs-CZ" sz="2000" dirty="0" smtClean="0"/>
+          </a:p>
+          <a:p>
+            <a:pPr lvl="1"/>
+            <a:r>
+              <a:rPr lang="cs-CZ" sz="2000" dirty="0" smtClean="0"/>
+              <a:t>Doporučuji používat </a:t>
+            </a:r>
+            <a:r>
+              <a:rPr lang="cs-CZ" sz="2000" dirty="0" err="1" smtClean="0">
+                <a:hlinkClick r:id="rId3"/>
+              </a:rPr>
+              <a:t>conventional</a:t>
+            </a:r>
+            <a:r>
+              <a:rPr lang="cs-CZ" sz="2000" dirty="0" smtClean="0">
+                <a:hlinkClick r:id="rId3"/>
+              </a:rPr>
+              <a:t> </a:t>
+            </a:r>
+            <a:r>
+              <a:rPr lang="cs-CZ" sz="2000" dirty="0" err="1" smtClean="0">
+                <a:hlinkClick r:id="rId3"/>
+              </a:rPr>
+              <a:t>commits</a:t>
+            </a:r>
+            <a:r>
+              <a:rPr lang="cs-CZ" sz="2000" dirty="0" smtClean="0"/>
+              <a:t>, </a:t>
+            </a:r>
+            <a:r>
+              <a:rPr lang="cs-CZ" sz="2000" dirty="0" err="1">
+                <a:hlinkClick r:id="rId4"/>
+              </a:rPr>
+              <a:t>release</a:t>
+            </a:r>
+            <a:r>
+              <a:rPr lang="cs-CZ" sz="2000" dirty="0">
+                <a:hlinkClick r:id="rId4"/>
+              </a:rPr>
+              <a:t> </a:t>
+            </a:r>
+            <a:r>
+              <a:rPr lang="cs-CZ" sz="2000" dirty="0" err="1" smtClean="0">
+                <a:hlinkClick r:id="rId4"/>
+              </a:rPr>
+              <a:t>please</a:t>
+            </a:r>
+            <a:r>
+              <a:rPr lang="cs-CZ" sz="2000" dirty="0" smtClean="0"/>
+              <a:t>, </a:t>
+            </a:r>
+            <a:r>
+              <a:rPr lang="cs-CZ" sz="2000" dirty="0" err="1" smtClean="0"/>
+              <a:t>dependabot</a:t>
+            </a:r>
+            <a:r>
+              <a:rPr lang="cs-CZ" sz="2000" dirty="0" smtClean="0"/>
+              <a:t>, </a:t>
+            </a:r>
+            <a:r>
+              <a:rPr lang="cs-CZ" sz="2000" dirty="0" err="1" smtClean="0"/>
+              <a:t>workflows</a:t>
+            </a:r>
+            <a:r>
+              <a:rPr lang="cs-CZ" sz="2000" dirty="0" smtClean="0"/>
+              <a:t> a podobné nástroje  pro automatizaci </a:t>
+            </a:r>
+            <a:r>
+              <a:rPr lang="cs-CZ" sz="2000" dirty="0" err="1" smtClean="0"/>
+              <a:t>releasů</a:t>
+            </a:r>
+            <a:endParaRPr lang="cs-CZ" sz="2000" dirty="0" smtClean="0"/>
+          </a:p>
+          <a:p>
+            <a:pPr lvl="1"/>
+            <a:r>
+              <a:rPr lang="cs-CZ" sz="2000" dirty="0" smtClean="0"/>
+              <a:t>Případně </a:t>
+            </a:r>
+            <a:r>
+              <a:rPr lang="cs-CZ" sz="2000" dirty="0" err="1" smtClean="0"/>
+              <a:t>release</a:t>
+            </a:r>
+            <a:r>
+              <a:rPr lang="cs-CZ" sz="2000" dirty="0" smtClean="0"/>
+              <a:t> jako artefakt do úložiště artefaktů (public, </a:t>
+            </a:r>
+            <a:r>
+              <a:rPr lang="cs-CZ" sz="2000" dirty="0" err="1" smtClean="0"/>
+              <a:t>private</a:t>
+            </a:r>
+            <a:r>
+              <a:rPr lang="cs-CZ" sz="2000" dirty="0" smtClean="0"/>
+              <a:t>)</a:t>
+            </a:r>
+          </a:p>
+          <a:p>
+            <a:pPr lvl="1"/>
+            <a:endParaRPr lang="cs-CZ" dirty="0" smtClean="0"/>
+          </a:p>
+        </p:txBody>
+      </p:sp>
+      <p:pic>
+        <p:nvPicPr>
+          <p:cNvPr id="2" name="Obrázek 1"/>
+          <p:cNvPicPr>
+            <a:picLocks noChangeAspect="1"/>
+          </p:cNvPicPr>
+          <p:nvPr/>
+        </p:nvPicPr>
+        <p:blipFill>
+          <a:blip r:embed="rId5"/>
+          <a:stretch>
+            <a:fillRect/>
+          </a:stretch>
+        </p:blipFill>
+        <p:spPr>
+          <a:xfrm>
+            <a:off x="2119312" y="1574191"/>
+            <a:ext cx="4905375" cy="1952625"/>
+          </a:xfrm>
+          <a:prstGeom prst="rect">
+            <a:avLst/>
+          </a:prstGeom>
+        </p:spPr>
+      </p:pic>
+    </p:spTree>
+    <p:extLst>
+      <p:ext uri="{BB962C8B-B14F-4D97-AF65-F5344CB8AC3E}">
+        <p14:creationId xmlns:p14="http://schemas.microsoft.com/office/powerpoint/2010/main" val="3972723857"/>
+      </p:ext>
+    </p:extLst>
+  </p:cSld>
+  <p:clrMapOvr>
+    <a:masterClrMapping/>
+  </p:clrMapOvr>
+  <p:timing>
+    <p:tnLst>
+      <p:par>
+        <p:cTn id="1" dur="indefinite" restart="never" nodeType="tmRoot"/>
+      </p:par>
+    </p:tnLst>
+  </p:timing>
+</p:sld>
+</file>
+
+<file path=ppt/slides/slide5.xml><?xml version="1.0" encoding="utf-8"?>
+<p:sld xmlns:a="http://schemas.openxmlformats.org/drawingml/2006/main" xmlns:r="http://schemas.openxmlformats.org/officeDocument/2006/relationships" xmlns:p="http://schemas.openxmlformats.org/presentationml/2006/main">
+  <p:cSld>
+    <p:spTree>
+      <p:nvGrpSpPr>
+        <p:cNvPr id="1" name=""/>
+        <p:cNvGrpSpPr/>
+        <p:nvPr/>
+      </p:nvGrpSpPr>
+      <p:grpSpPr>
+        <a:xfrm>
+          <a:off x="0" y="0"/>
+          <a:ext cx="0" cy="0"/>
+          <a:chOff x="0" y="0"/>
+          <a:chExt cx="0" cy="0"/>
+        </a:xfrm>
+      </p:grpSpPr>
+      <p:pic>
+        <p:nvPicPr>
+          <p:cNvPr id="11" name="Obrázek 10">
+            <a:extLst>
+              <a:ext uri="{FF2B5EF4-FFF2-40B4-BE49-F238E27FC236}">
+                <a16:creationId xmlns:a16="http://schemas.microsoft.com/office/drawing/2014/main" id="{4FF4A0B8-B6D8-13AE-15A1-4B15C9EB02F7}"/>
+              </a:ext>
+            </a:extLst>
+          </p:cNvPr>
+          <p:cNvPicPr>
+            <a:picLocks noChangeAspect="1"/>
+          </p:cNvPicPr>
+          <p:nvPr/>
+        </p:nvPicPr>
+        <p:blipFill>
+          <a:blip r:embed="rId2" cstate="print">
+            <a:extLst>
+              <a:ext uri="{28A0092B-C50C-407E-A947-70E740481C1C}">
+                <a14:useLocalDpi xmlns:a14="http://schemas.microsoft.com/office/drawing/2010/main" val="0"/>
+              </a:ext>
+            </a:extLst>
+          </a:blip>
+          <a:stretch>
+            <a:fillRect/>
+          </a:stretch>
+        </p:blipFill>
+        <p:spPr>
+          <a:xfrm>
+            <a:off x="456285" y="166136"/>
+            <a:ext cx="2315515" cy="434160"/>
+          </a:xfrm>
+          <a:prstGeom prst="rect">
+            <a:avLst/>
+          </a:prstGeom>
+        </p:spPr>
+      </p:pic>
+      <p:sp>
+        <p:nvSpPr>
+          <p:cNvPr id="3" name="Zástupný symbol pro text 8"/>
+          <p:cNvSpPr>
+            <a:spLocks noGrp="1"/>
+          </p:cNvSpPr>
+          <p:nvPr>
+            <p:ph type="body" idx="1"/>
+          </p:nvPr>
+        </p:nvSpPr>
+        <p:spPr>
+          <a:xfrm>
+            <a:off x="457200" y="600296"/>
+            <a:ext cx="8229600" cy="5853040"/>
+          </a:xfrm>
+        </p:spPr>
+        <p:txBody>
+          <a:bodyPr/>
+          <a:lstStyle/>
+          <a:p>
+            <a:r>
+              <a:rPr lang="cs-CZ" dirty="0" smtClean="0"/>
+              <a:t>Oddělené adresáře – struktura</a:t>
+            </a:r>
+          </a:p>
+          <a:p>
+            <a:pPr lvl="1"/>
+            <a:r>
+              <a:rPr lang="cs-CZ" sz="1400" dirty="0" smtClean="0"/>
+              <a:t>Adresář pro každý </a:t>
+            </a:r>
+            <a:r>
+              <a:rPr lang="cs-CZ" sz="1400" dirty="0" err="1" smtClean="0"/>
+              <a:t>environment</a:t>
+            </a:r>
+            <a:r>
+              <a:rPr lang="cs-CZ" sz="1400" dirty="0" smtClean="0"/>
+              <a:t>, spouštím </a:t>
+            </a:r>
+            <a:r>
+              <a:rPr lang="cs-CZ" sz="1400" dirty="0" err="1" smtClean="0"/>
+              <a:t>deployment</a:t>
+            </a:r>
+            <a:r>
+              <a:rPr lang="cs-CZ" sz="1400" dirty="0" smtClean="0"/>
+              <a:t> pouz</a:t>
+            </a:r>
+            <a:r>
+              <a:rPr lang="cs-CZ" sz="1400" dirty="0" smtClean="0"/>
+              <a:t>e pro </a:t>
+            </a:r>
+            <a:r>
+              <a:rPr lang="cs-CZ" sz="1400" dirty="0" err="1" smtClean="0"/>
+              <a:t>environment</a:t>
+            </a:r>
+            <a:r>
+              <a:rPr lang="cs-CZ" sz="1400" dirty="0" smtClean="0"/>
+              <a:t>, který potřebuji</a:t>
+            </a:r>
+            <a:endParaRPr lang="cs-CZ" sz="1400" dirty="0" smtClean="0"/>
+          </a:p>
+          <a:p>
+            <a:pPr lvl="1"/>
+            <a:r>
+              <a:rPr lang="cs-CZ" sz="1400" dirty="0" smtClean="0"/>
+              <a:t>Adresář pro moduly, ale ještě lepší je umístění modulů v samostatných </a:t>
+            </a:r>
+            <a:r>
+              <a:rPr lang="cs-CZ" sz="1400" dirty="0" err="1" smtClean="0"/>
+              <a:t>repozitářích</a:t>
+            </a:r>
+            <a:r>
+              <a:rPr lang="cs-CZ" sz="1400" dirty="0" smtClean="0"/>
+              <a:t> + </a:t>
+            </a:r>
+            <a:r>
+              <a:rPr lang="cs-CZ" sz="1400" dirty="0" err="1" smtClean="0"/>
+              <a:t>verzování</a:t>
+            </a:r>
+            <a:endParaRPr lang="cs-CZ" sz="1400" dirty="0" smtClean="0"/>
+          </a:p>
+          <a:p>
+            <a:pPr lvl="1"/>
+            <a:r>
+              <a:rPr lang="cs-CZ" sz="1400" dirty="0" smtClean="0"/>
+              <a:t>Test pomocí </a:t>
+            </a:r>
+            <a:r>
+              <a:rPr lang="cs-CZ" sz="1400" dirty="0" err="1" smtClean="0">
+                <a:solidFill>
+                  <a:schemeClr val="accent6">
+                    <a:lumMod val="75000"/>
+                  </a:schemeClr>
+                </a:solidFill>
+                <a:latin typeface="Consolas" panose="020B0609020204030204" pitchFamily="49" charset="0"/>
+              </a:rPr>
+              <a:t>terraform</a:t>
+            </a:r>
+            <a:r>
+              <a:rPr lang="cs-CZ" sz="1400" dirty="0" smtClean="0">
+                <a:solidFill>
+                  <a:schemeClr val="accent6">
+                    <a:lumMod val="75000"/>
+                  </a:schemeClr>
+                </a:solidFill>
+                <a:latin typeface="Consolas" panose="020B0609020204030204" pitchFamily="49" charset="0"/>
+              </a:rPr>
+              <a:t> test</a:t>
+            </a:r>
+          </a:p>
+          <a:p>
+            <a:pPr lvl="1"/>
+            <a:r>
+              <a:rPr lang="cs-CZ" sz="1400" dirty="0" smtClean="0"/>
+              <a:t>Pro správný kód používat </a:t>
+            </a:r>
+            <a:r>
+              <a:rPr lang="cs-CZ" sz="1400" dirty="0" err="1">
+                <a:solidFill>
+                  <a:schemeClr val="accent6">
+                    <a:lumMod val="75000"/>
+                  </a:schemeClr>
+                </a:solidFill>
+                <a:latin typeface="Consolas" panose="020B0609020204030204" pitchFamily="49" charset="0"/>
+              </a:rPr>
+              <a:t>pre-commit</a:t>
+            </a:r>
+            <a:r>
+              <a:rPr lang="cs-CZ" sz="1400" dirty="0" smtClean="0"/>
+              <a:t>, </a:t>
+            </a:r>
+            <a:r>
+              <a:rPr lang="cs-CZ" sz="1400" dirty="0" err="1">
+                <a:solidFill>
+                  <a:schemeClr val="accent6">
+                    <a:lumMod val="75000"/>
+                  </a:schemeClr>
+                </a:solidFill>
+                <a:latin typeface="Consolas" panose="020B0609020204030204" pitchFamily="49" charset="0"/>
+              </a:rPr>
+              <a:t>terraform-docs</a:t>
+            </a:r>
+            <a:r>
+              <a:rPr lang="cs-CZ" sz="1400" dirty="0" smtClean="0"/>
+              <a:t>, </a:t>
+            </a:r>
+            <a:r>
+              <a:rPr lang="cs-CZ" sz="1400" dirty="0" err="1">
+                <a:solidFill>
+                  <a:schemeClr val="accent6">
+                    <a:lumMod val="75000"/>
+                  </a:schemeClr>
+                </a:solidFill>
+                <a:latin typeface="Consolas" panose="020B0609020204030204" pitchFamily="49" charset="0"/>
+              </a:rPr>
+              <a:t>terraform</a:t>
+            </a:r>
+            <a:r>
+              <a:rPr lang="cs-CZ" sz="1400" dirty="0" smtClean="0"/>
+              <a:t> </a:t>
+            </a:r>
+            <a:r>
+              <a:rPr lang="cs-CZ" sz="1400" dirty="0" err="1">
+                <a:solidFill>
+                  <a:schemeClr val="accent6">
+                    <a:lumMod val="75000"/>
+                  </a:schemeClr>
+                </a:solidFill>
+                <a:latin typeface="Consolas" panose="020B0609020204030204" pitchFamily="49" charset="0"/>
+              </a:rPr>
+              <a:t>fmt</a:t>
+            </a:r>
+            <a:r>
+              <a:rPr lang="cs-CZ" sz="1400" dirty="0" smtClean="0"/>
+              <a:t>,  </a:t>
+            </a:r>
+            <a:r>
+              <a:rPr lang="cs-CZ" sz="1400" dirty="0" err="1">
+                <a:solidFill>
+                  <a:schemeClr val="accent6">
+                    <a:lumMod val="75000"/>
+                  </a:schemeClr>
+                </a:solidFill>
+                <a:latin typeface="Consolas" panose="020B0609020204030204" pitchFamily="49" charset="0"/>
+              </a:rPr>
+              <a:t>tflint</a:t>
+            </a:r>
+            <a:r>
+              <a:rPr lang="cs-CZ" sz="1400" dirty="0" smtClean="0"/>
+              <a:t>, </a:t>
+            </a:r>
+            <a:r>
+              <a:rPr lang="cs-CZ" sz="1400" dirty="0" err="1">
+                <a:solidFill>
+                  <a:schemeClr val="accent6">
+                    <a:lumMod val="75000"/>
+                  </a:schemeClr>
+                </a:solidFill>
+                <a:latin typeface="Consolas" panose="020B0609020204030204" pitchFamily="49" charset="0"/>
+              </a:rPr>
+              <a:t>checkov</a:t>
+            </a:r>
+            <a:r>
+              <a:rPr lang="cs-CZ" sz="1400" dirty="0" smtClean="0"/>
+              <a:t> a další kontroly</a:t>
+            </a:r>
+          </a:p>
+        </p:txBody>
+      </p:sp>
+      <p:pic>
+        <p:nvPicPr>
+          <p:cNvPr id="2" name="Obrázek 1"/>
+          <p:cNvPicPr>
+            <a:picLocks noChangeAspect="1"/>
+          </p:cNvPicPr>
+          <p:nvPr/>
+        </p:nvPicPr>
+        <p:blipFill>
+          <a:blip r:embed="rId3"/>
+          <a:stretch>
+            <a:fillRect/>
+          </a:stretch>
+        </p:blipFill>
+        <p:spPr>
+          <a:xfrm>
+            <a:off x="676275" y="2529036"/>
+            <a:ext cx="7791450" cy="3924300"/>
+          </a:xfrm>
+          <a:prstGeom prst="rect">
+            <a:avLst/>
+          </a:prstGeom>
+        </p:spPr>
+      </p:pic>
     </p:spTree>
     <p:extLst>
       <p:ext uri="{BB962C8B-B14F-4D97-AF65-F5344CB8AC3E}">
         <p14:creationId xmlns:p14="http://schemas.microsoft.com/office/powerpoint/2010/main" val="3894079510"/>
+      </p:ext>
+    </p:extLst>
+  </p:cSld>
+  <p:clrMapOvr>
+    <a:masterClrMapping/>
+  </p:clrMapOvr>
+  <p:timing>
+    <p:tnLst>
+      <p:par>
+        <p:cTn id="1" dur="indefinite" restart="never" nodeType="tmRoot"/>
+      </p:par>
+    </p:tnLst>
+  </p:timing>
+</p:sld>
+</file>
+
+<file path=ppt/slides/slide6.xml><?xml version="1.0" encoding="utf-8"?>
+<p:sld xmlns:a="http://schemas.openxmlformats.org/drawingml/2006/main" xmlns:r="http://schemas.openxmlformats.org/officeDocument/2006/relationships" xmlns:p="http://schemas.openxmlformats.org/presentationml/2006/main">
+  <p:cSld>
+    <p:spTree>
+      <p:nvGrpSpPr>
+        <p:cNvPr id="1" name=""/>
+        <p:cNvGrpSpPr/>
+        <p:nvPr/>
+      </p:nvGrpSpPr>
+      <p:grpSpPr>
+        <a:xfrm>
+          <a:off x="0" y="0"/>
+          <a:ext cx="0" cy="0"/>
+          <a:chOff x="0" y="0"/>
+          <a:chExt cx="0" cy="0"/>
+        </a:xfrm>
+      </p:grpSpPr>
+      <p:pic>
+        <p:nvPicPr>
+          <p:cNvPr id="11" name="Obrázek 10">
+            <a:extLst>
+              <a:ext uri="{FF2B5EF4-FFF2-40B4-BE49-F238E27FC236}">
+                <a16:creationId xmlns:a16="http://schemas.microsoft.com/office/drawing/2014/main" id="{4FF4A0B8-B6D8-13AE-15A1-4B15C9EB02F7}"/>
+              </a:ext>
+            </a:extLst>
+          </p:cNvPr>
+          <p:cNvPicPr>
+            <a:picLocks noChangeAspect="1"/>
+          </p:cNvPicPr>
+          <p:nvPr/>
+        </p:nvPicPr>
+        <p:blipFill>
+          <a:blip r:embed="rId2" cstate="print">
+            <a:extLst>
+              <a:ext uri="{28A0092B-C50C-407E-A947-70E740481C1C}">
+                <a14:useLocalDpi xmlns:a14="http://schemas.microsoft.com/office/drawing/2010/main" val="0"/>
+              </a:ext>
+            </a:extLst>
+          </a:blip>
+          <a:stretch>
+            <a:fillRect/>
+          </a:stretch>
+        </p:blipFill>
+        <p:spPr>
+          <a:xfrm>
+            <a:off x="456285" y="166136"/>
+            <a:ext cx="2315515" cy="434160"/>
+          </a:xfrm>
+          <a:prstGeom prst="rect">
+            <a:avLst/>
+          </a:prstGeom>
+        </p:spPr>
+      </p:pic>
+      <p:sp>
+        <p:nvSpPr>
+          <p:cNvPr id="3" name="Zástupný symbol pro text 8"/>
+          <p:cNvSpPr>
+            <a:spLocks noGrp="1"/>
+          </p:cNvSpPr>
+          <p:nvPr>
+            <p:ph type="body" idx="1"/>
+          </p:nvPr>
+        </p:nvSpPr>
+        <p:spPr>
+          <a:xfrm>
+            <a:off x="457200" y="600296"/>
+            <a:ext cx="8229600" cy="5853040"/>
+          </a:xfrm>
+        </p:spPr>
+        <p:txBody>
+          <a:bodyPr/>
+          <a:lstStyle/>
+          <a:p>
+            <a:r>
+              <a:rPr lang="cs-CZ" dirty="0" smtClean="0"/>
+              <a:t>Čistota kódu</a:t>
+            </a:r>
+            <a:endParaRPr lang="cs-CZ" dirty="0" smtClean="0"/>
+          </a:p>
+          <a:p>
+            <a:pPr lvl="1"/>
+            <a:r>
+              <a:rPr lang="cs-CZ" dirty="0" err="1" smtClean="0"/>
+              <a:t>Pre-commit</a:t>
+            </a:r>
+            <a:r>
+              <a:rPr lang="cs-CZ" dirty="0" smtClean="0"/>
+              <a:t> kontroly </a:t>
+            </a:r>
+            <a:endParaRPr lang="cs-CZ" dirty="0" smtClean="0"/>
+          </a:p>
+          <a:p>
+            <a:pPr lvl="2"/>
+            <a:r>
+              <a:rPr lang="cs-CZ" sz="2000" dirty="0" smtClean="0"/>
+              <a:t>Slouží </a:t>
+            </a:r>
+            <a:r>
+              <a:rPr lang="cs-CZ" sz="2000" dirty="0" smtClean="0"/>
+              <a:t>ke kontrole kódu, než je proveden </a:t>
+            </a:r>
+            <a:r>
+              <a:rPr lang="cs-CZ" sz="2000" dirty="0" err="1" smtClean="0"/>
+              <a:t>push</a:t>
+            </a:r>
+            <a:endParaRPr lang="cs-CZ" sz="2000" dirty="0" smtClean="0"/>
+          </a:p>
+          <a:p>
+            <a:pPr lvl="2"/>
+            <a:r>
+              <a:rPr lang="cs-CZ" sz="2000" dirty="0" smtClean="0"/>
+              <a:t>Musí být nakonfigurováno v </a:t>
+            </a:r>
+            <a:r>
+              <a:rPr lang="cs-CZ" sz="2000" dirty="0">
+                <a:solidFill>
+                  <a:schemeClr val="accent6">
+                    <a:lumMod val="75000"/>
+                  </a:schemeClr>
+                </a:solidFill>
+                <a:latin typeface="Consolas" panose="020B0609020204030204" pitchFamily="49" charset="0"/>
+              </a:rPr>
+              <a:t>.</a:t>
+            </a:r>
+            <a:r>
+              <a:rPr lang="cs-CZ" sz="2000" dirty="0" err="1">
+                <a:solidFill>
+                  <a:schemeClr val="accent6">
+                    <a:lumMod val="75000"/>
+                  </a:schemeClr>
+                </a:solidFill>
+                <a:latin typeface="Consolas" panose="020B0609020204030204" pitchFamily="49" charset="0"/>
+              </a:rPr>
+              <a:t>pre-commit-config.yaml</a:t>
+            </a:r>
+            <a:endParaRPr lang="cs-CZ" sz="2000" dirty="0">
+              <a:solidFill>
+                <a:schemeClr val="accent6">
+                  <a:lumMod val="75000"/>
+                </a:schemeClr>
+              </a:solidFill>
+              <a:latin typeface="Consolas" panose="020B0609020204030204" pitchFamily="49" charset="0"/>
+            </a:endParaRPr>
+          </a:p>
+          <a:p>
+            <a:pPr lvl="2"/>
+            <a:r>
+              <a:rPr lang="cs-CZ" sz="2000" dirty="0" smtClean="0"/>
+              <a:t>Instalace </a:t>
+            </a:r>
+            <a:r>
+              <a:rPr lang="cs-CZ" sz="2000" dirty="0" err="1">
+                <a:solidFill>
+                  <a:schemeClr val="accent6">
+                    <a:lumMod val="75000"/>
+                  </a:schemeClr>
+                </a:solidFill>
+                <a:latin typeface="Consolas" panose="020B0609020204030204" pitchFamily="49" charset="0"/>
+              </a:rPr>
+              <a:t>pre-commit</a:t>
+            </a:r>
+            <a:r>
+              <a:rPr lang="cs-CZ" sz="2000" dirty="0">
+                <a:solidFill>
+                  <a:schemeClr val="accent6">
+                    <a:lumMod val="75000"/>
+                  </a:schemeClr>
+                </a:solidFill>
+                <a:latin typeface="Consolas" panose="020B0609020204030204" pitchFamily="49" charset="0"/>
+              </a:rPr>
+              <a:t> </a:t>
+            </a:r>
+            <a:r>
+              <a:rPr lang="cs-CZ" sz="2000" dirty="0" err="1">
+                <a:solidFill>
+                  <a:schemeClr val="accent6">
+                    <a:lumMod val="75000"/>
+                  </a:schemeClr>
+                </a:solidFill>
+                <a:latin typeface="Consolas" panose="020B0609020204030204" pitchFamily="49" charset="0"/>
+              </a:rPr>
+              <a:t>install</a:t>
+            </a:r>
+            <a:r>
+              <a:rPr lang="cs-CZ" sz="2000" dirty="0">
+                <a:solidFill>
+                  <a:schemeClr val="accent6">
+                    <a:lumMod val="75000"/>
+                  </a:schemeClr>
+                </a:solidFill>
+                <a:latin typeface="Consolas" panose="020B0609020204030204" pitchFamily="49" charset="0"/>
+              </a:rPr>
+              <a:t> </a:t>
+            </a:r>
+            <a:r>
+              <a:rPr lang="cs-CZ" sz="2000" dirty="0" smtClean="0"/>
+              <a:t>v požadovaném </a:t>
+            </a:r>
+            <a:r>
+              <a:rPr lang="cs-CZ" sz="2000" dirty="0" err="1" smtClean="0"/>
+              <a:t>repozitáři</a:t>
+            </a:r>
+            <a:endParaRPr lang="cs-CZ" sz="2000" dirty="0"/>
+          </a:p>
+          <a:p>
+            <a:pPr lvl="2"/>
+            <a:r>
+              <a:rPr lang="cs-CZ" sz="2000" dirty="0" smtClean="0"/>
+              <a:t>Spustí se při </a:t>
+            </a:r>
+            <a:r>
+              <a:rPr lang="cs-CZ" sz="2000" dirty="0" err="1" smtClean="0">
+                <a:solidFill>
+                  <a:schemeClr val="accent6">
+                    <a:lumMod val="75000"/>
+                  </a:schemeClr>
+                </a:solidFill>
+                <a:latin typeface="Consolas" panose="020B0609020204030204" pitchFamily="49" charset="0"/>
+              </a:rPr>
+              <a:t>git</a:t>
+            </a:r>
+            <a:r>
+              <a:rPr lang="cs-CZ" sz="2000" dirty="0" smtClean="0">
+                <a:solidFill>
+                  <a:schemeClr val="accent6">
+                    <a:lumMod val="75000"/>
+                  </a:schemeClr>
+                </a:solidFill>
+                <a:latin typeface="Consolas" panose="020B0609020204030204" pitchFamily="49" charset="0"/>
+              </a:rPr>
+              <a:t> </a:t>
+            </a:r>
+            <a:r>
+              <a:rPr lang="cs-CZ" sz="2000" dirty="0" err="1" smtClean="0">
+                <a:solidFill>
+                  <a:schemeClr val="accent6">
+                    <a:lumMod val="75000"/>
+                  </a:schemeClr>
+                </a:solidFill>
+                <a:latin typeface="Consolas" panose="020B0609020204030204" pitchFamily="49" charset="0"/>
+              </a:rPr>
+              <a:t>commit</a:t>
+            </a:r>
+            <a:r>
+              <a:rPr lang="cs-CZ" sz="2000" dirty="0" smtClean="0">
+                <a:solidFill>
+                  <a:schemeClr val="accent6">
+                    <a:lumMod val="75000"/>
+                  </a:schemeClr>
+                </a:solidFill>
+                <a:latin typeface="Consolas" panose="020B0609020204030204" pitchFamily="49" charset="0"/>
+              </a:rPr>
+              <a:t> </a:t>
+            </a:r>
+            <a:br>
+              <a:rPr lang="cs-CZ" sz="2000" dirty="0" smtClean="0">
+                <a:solidFill>
+                  <a:schemeClr val="accent6">
+                    <a:lumMod val="75000"/>
+                  </a:schemeClr>
+                </a:solidFill>
+                <a:latin typeface="Consolas" panose="020B0609020204030204" pitchFamily="49" charset="0"/>
+              </a:rPr>
+            </a:br>
+            <a:r>
+              <a:rPr lang="cs-CZ" sz="2000" dirty="0" smtClean="0"/>
+              <a:t>nebo manuálně </a:t>
+            </a:r>
+            <a:r>
+              <a:rPr lang="cs-CZ" sz="1800" dirty="0" err="1">
+                <a:solidFill>
+                  <a:schemeClr val="accent6">
+                    <a:lumMod val="75000"/>
+                  </a:schemeClr>
+                </a:solidFill>
+                <a:latin typeface="Consolas" panose="020B0609020204030204" pitchFamily="49" charset="0"/>
+              </a:rPr>
+              <a:t>pre-commit</a:t>
+            </a:r>
+            <a:r>
+              <a:rPr lang="cs-CZ" sz="1800" dirty="0">
+                <a:solidFill>
+                  <a:schemeClr val="accent6">
+                    <a:lumMod val="75000"/>
+                  </a:schemeClr>
+                </a:solidFill>
+                <a:latin typeface="Consolas" panose="020B0609020204030204" pitchFamily="49" charset="0"/>
+              </a:rPr>
+              <a:t> run </a:t>
+            </a:r>
+            <a:r>
+              <a:rPr lang="cs-CZ" sz="1800" dirty="0" smtClean="0">
+                <a:solidFill>
+                  <a:schemeClr val="accent6">
+                    <a:lumMod val="75000"/>
+                  </a:schemeClr>
+                </a:solidFill>
+                <a:latin typeface="Consolas" panose="020B0609020204030204" pitchFamily="49" charset="0"/>
+              </a:rPr>
+              <a:t>–</a:t>
+            </a:r>
+            <a:r>
+              <a:rPr lang="cs-CZ" sz="1800" dirty="0" err="1" smtClean="0">
+                <a:solidFill>
+                  <a:schemeClr val="accent6">
+                    <a:lumMod val="75000"/>
+                  </a:schemeClr>
+                </a:solidFill>
+                <a:latin typeface="Consolas" panose="020B0609020204030204" pitchFamily="49" charset="0"/>
+              </a:rPr>
+              <a:t>all-files</a:t>
+            </a:r>
+            <a:endParaRPr lang="cs-CZ" sz="1800" dirty="0">
+              <a:solidFill>
+                <a:schemeClr val="accent6">
+                  <a:lumMod val="75000"/>
+                </a:schemeClr>
+              </a:solidFill>
+              <a:latin typeface="Consolas" panose="020B0609020204030204" pitchFamily="49" charset="0"/>
+            </a:endParaRPr>
+          </a:p>
+        </p:txBody>
+      </p:sp>
+    </p:spTree>
+    <p:extLst>
+      <p:ext uri="{BB962C8B-B14F-4D97-AF65-F5344CB8AC3E}">
+        <p14:creationId xmlns:p14="http://schemas.microsoft.com/office/powerpoint/2010/main" val="2980533881"/>
+      </p:ext>
+    </p:extLst>
+  </p:cSld>
+  <p:clrMapOvr>
+    <a:masterClrMapping/>
+  </p:clrMapOvr>
+  <p:timing>
+    <p:tnLst>
+      <p:par>
+        <p:cTn id="1" dur="indefinite" restart="never" nodeType="tmRoot"/>
+      </p:par>
+    </p:tnLst>
+  </p:timing>
+</p:sld>
+</file>
+
+<file path=ppt/slides/slide7.xml><?xml version="1.0" encoding="utf-8"?>
+<p:sld xmlns:a="http://schemas.openxmlformats.org/drawingml/2006/main" xmlns:r="http://schemas.openxmlformats.org/officeDocument/2006/relationships" xmlns:p="http://schemas.openxmlformats.org/presentationml/2006/main">
+  <p:cSld>
+    <p:spTree>
+      <p:nvGrpSpPr>
+        <p:cNvPr id="1" name=""/>
+        <p:cNvGrpSpPr/>
+        <p:nvPr/>
+      </p:nvGrpSpPr>
+      <p:grpSpPr>
+        <a:xfrm>
+          <a:off x="0" y="0"/>
+          <a:ext cx="0" cy="0"/>
+          <a:chOff x="0" y="0"/>
+          <a:chExt cx="0" cy="0"/>
+        </a:xfrm>
+      </p:grpSpPr>
+      <p:pic>
+        <p:nvPicPr>
+          <p:cNvPr id="11" name="Obrázek 10">
+            <a:extLst>
+              <a:ext uri="{FF2B5EF4-FFF2-40B4-BE49-F238E27FC236}">
+                <a16:creationId xmlns:a16="http://schemas.microsoft.com/office/drawing/2014/main" id="{4FF4A0B8-B6D8-13AE-15A1-4B15C9EB02F7}"/>
+              </a:ext>
+            </a:extLst>
+          </p:cNvPr>
+          <p:cNvPicPr>
+            <a:picLocks noChangeAspect="1"/>
+          </p:cNvPicPr>
+          <p:nvPr/>
+        </p:nvPicPr>
+        <p:blipFill>
+          <a:blip r:embed="rId2" cstate="print">
+            <a:extLst>
+              <a:ext uri="{28A0092B-C50C-407E-A947-70E740481C1C}">
+                <a14:useLocalDpi xmlns:a14="http://schemas.microsoft.com/office/drawing/2010/main" val="0"/>
+              </a:ext>
+            </a:extLst>
+          </a:blip>
+          <a:stretch>
+            <a:fillRect/>
+          </a:stretch>
+        </p:blipFill>
+        <p:spPr>
+          <a:xfrm>
+            <a:off x="456285" y="166136"/>
+            <a:ext cx="2315515" cy="434160"/>
+          </a:xfrm>
+          <a:prstGeom prst="rect">
+            <a:avLst/>
+          </a:prstGeom>
+        </p:spPr>
+      </p:pic>
+      <p:sp>
+        <p:nvSpPr>
+          <p:cNvPr id="3" name="Zástupný symbol pro text 8"/>
+          <p:cNvSpPr>
+            <a:spLocks noGrp="1"/>
+          </p:cNvSpPr>
+          <p:nvPr>
+            <p:ph type="body" idx="1"/>
+          </p:nvPr>
+        </p:nvSpPr>
+        <p:spPr>
+          <a:xfrm>
+            <a:off x="457200" y="600296"/>
+            <a:ext cx="8229600" cy="5853040"/>
+          </a:xfrm>
+        </p:spPr>
+        <p:txBody>
+          <a:bodyPr/>
+          <a:lstStyle/>
+          <a:p>
+            <a:r>
+              <a:rPr lang="cs-CZ" dirty="0" smtClean="0"/>
+              <a:t>Vytvoření modulu – </a:t>
+            </a:r>
+            <a:r>
+              <a:rPr lang="cs-CZ" dirty="0" err="1" smtClean="0"/>
+              <a:t>GitHub</a:t>
+            </a:r>
+            <a:r>
+              <a:rPr lang="cs-CZ" dirty="0" smtClean="0"/>
+              <a:t> </a:t>
+            </a:r>
+            <a:r>
+              <a:rPr lang="cs-CZ" dirty="0" err="1" smtClean="0"/>
+              <a:t>Workflow</a:t>
+            </a:r>
+            <a:endParaRPr lang="cs-CZ" dirty="0" smtClean="0"/>
+          </a:p>
+          <a:p>
+            <a:pPr lvl="1"/>
+            <a:endParaRPr lang="cs-CZ" dirty="0" smtClean="0"/>
+          </a:p>
+        </p:txBody>
+      </p:sp>
+      <p:pic>
+        <p:nvPicPr>
+          <p:cNvPr id="2" name="Obrázek 1"/>
+          <p:cNvPicPr>
+            <a:picLocks noChangeAspect="1"/>
+          </p:cNvPicPr>
+          <p:nvPr/>
+        </p:nvPicPr>
+        <p:blipFill>
+          <a:blip r:embed="rId3"/>
+          <a:stretch>
+            <a:fillRect/>
+          </a:stretch>
+        </p:blipFill>
+        <p:spPr>
+          <a:xfrm>
+            <a:off x="1187624" y="1386036"/>
+            <a:ext cx="7153275" cy="5067300"/>
+          </a:xfrm>
+          <a:prstGeom prst="rect">
+            <a:avLst/>
+          </a:prstGeom>
+        </p:spPr>
+      </p:pic>
+    </p:spTree>
+    <p:extLst>
+      <p:ext uri="{BB962C8B-B14F-4D97-AF65-F5344CB8AC3E}">
+        <p14:creationId xmlns:p14="http://schemas.microsoft.com/office/powerpoint/2010/main" val="837091698"/>
+      </p:ext>
+    </p:extLst>
+  </p:cSld>
+  <p:clrMapOvr>
+    <a:masterClrMapping/>
+  </p:clrMapOvr>
+  <p:timing>
+    <p:tnLst>
+      <p:par>
+        <p:cTn id="1" dur="indefinite" restart="never" nodeType="tmRoot"/>
+      </p:par>
+    </p:tnLst>
+  </p:timing>
+</p:sld>
+</file>
+
+<file path=ppt/slides/slide8.xml><?xml version="1.0" encoding="utf-8"?>
+<p:sld xmlns:a="http://schemas.openxmlformats.org/drawingml/2006/main" xmlns:r="http://schemas.openxmlformats.org/officeDocument/2006/relationships" xmlns:p="http://schemas.openxmlformats.org/presentationml/2006/main">
+  <p:cSld>
+    <p:spTree>
+      <p:nvGrpSpPr>
+        <p:cNvPr id="1" name=""/>
+        <p:cNvGrpSpPr/>
+        <p:nvPr/>
+      </p:nvGrpSpPr>
+      <p:grpSpPr>
+        <a:xfrm>
+          <a:off x="0" y="0"/>
+          <a:ext cx="0" cy="0"/>
+          <a:chOff x="0" y="0"/>
+          <a:chExt cx="0" cy="0"/>
+        </a:xfrm>
+      </p:grpSpPr>
+      <p:pic>
+        <p:nvPicPr>
+          <p:cNvPr id="11" name="Obrázek 10">
+            <a:extLst>
+              <a:ext uri="{FF2B5EF4-FFF2-40B4-BE49-F238E27FC236}">
+                <a16:creationId xmlns:a16="http://schemas.microsoft.com/office/drawing/2014/main" id="{4FF4A0B8-B6D8-13AE-15A1-4B15C9EB02F7}"/>
+              </a:ext>
+            </a:extLst>
+          </p:cNvPr>
+          <p:cNvPicPr>
+            <a:picLocks noChangeAspect="1"/>
+          </p:cNvPicPr>
+          <p:nvPr/>
+        </p:nvPicPr>
+        <p:blipFill>
+          <a:blip r:embed="rId2" cstate="print">
+            <a:extLst>
+              <a:ext uri="{28A0092B-C50C-407E-A947-70E740481C1C}">
+                <a14:useLocalDpi xmlns:a14="http://schemas.microsoft.com/office/drawing/2010/main" val="0"/>
+              </a:ext>
+            </a:extLst>
+          </a:blip>
+          <a:stretch>
+            <a:fillRect/>
+          </a:stretch>
+        </p:blipFill>
+        <p:spPr>
+          <a:xfrm>
+            <a:off x="456285" y="166136"/>
+            <a:ext cx="2315515" cy="434160"/>
+          </a:xfrm>
+          <a:prstGeom prst="rect">
+            <a:avLst/>
+          </a:prstGeom>
+        </p:spPr>
+      </p:pic>
+      <p:sp>
+        <p:nvSpPr>
+          <p:cNvPr id="3" name="Zástupný symbol pro text 8"/>
+          <p:cNvSpPr>
+            <a:spLocks noGrp="1"/>
+          </p:cNvSpPr>
+          <p:nvPr>
+            <p:ph type="body" idx="1"/>
+          </p:nvPr>
+        </p:nvSpPr>
+        <p:spPr>
+          <a:xfrm>
+            <a:off x="457200" y="600296"/>
+            <a:ext cx="8229600" cy="5853040"/>
+          </a:xfrm>
+        </p:spPr>
+        <p:txBody>
+          <a:bodyPr/>
+          <a:lstStyle/>
+          <a:p>
+            <a:r>
+              <a:rPr lang="cs-CZ" dirty="0" smtClean="0"/>
+              <a:t>Vytvoření modulu – </a:t>
+            </a:r>
+            <a:r>
+              <a:rPr lang="cs-CZ" dirty="0" err="1" smtClean="0"/>
+              <a:t>GitHub</a:t>
+            </a:r>
+            <a:r>
+              <a:rPr lang="cs-CZ" dirty="0" smtClean="0"/>
+              <a:t> </a:t>
+            </a:r>
+            <a:r>
+              <a:rPr lang="cs-CZ" dirty="0" err="1" smtClean="0"/>
+              <a:t>Workflow</a:t>
+            </a:r>
+            <a:endParaRPr lang="cs-CZ" dirty="0" smtClean="0"/>
+          </a:p>
+          <a:p>
+            <a:pPr lvl="1"/>
+            <a:endParaRPr lang="cs-CZ" dirty="0" smtClean="0"/>
+          </a:p>
+        </p:txBody>
+      </p:sp>
+      <p:pic>
+        <p:nvPicPr>
+          <p:cNvPr id="5" name="Obrázek 4"/>
+          <p:cNvPicPr>
+            <a:picLocks noChangeAspect="1"/>
+          </p:cNvPicPr>
+          <p:nvPr/>
+        </p:nvPicPr>
+        <p:blipFill>
+          <a:blip r:embed="rId3"/>
+          <a:stretch>
+            <a:fillRect/>
+          </a:stretch>
+        </p:blipFill>
+        <p:spPr>
+          <a:xfrm>
+            <a:off x="1057275" y="2595562"/>
+            <a:ext cx="7029450" cy="1666875"/>
+          </a:xfrm>
+          <a:prstGeom prst="rect">
+            <a:avLst/>
+          </a:prstGeom>
+        </p:spPr>
+      </p:pic>
+    </p:spTree>
+    <p:extLst>
+      <p:ext uri="{BB962C8B-B14F-4D97-AF65-F5344CB8AC3E}">
+        <p14:creationId xmlns:p14="http://schemas.microsoft.com/office/powerpoint/2010/main" val="3988870627"/>
+      </p:ext>
+    </p:extLst>
+  </p:cSld>
+  <p:clrMapOvr>
+    <a:masterClrMapping/>
+  </p:clrMapOvr>
+  <p:timing>
+    <p:tnLst>
+      <p:par>
+        <p:cTn id="1" dur="indefinite" restart="never" nodeType="tmRoot"/>
+      </p:par>
+    </p:tnLst>
+  </p:timing>
+</p:sld>
+</file>
+
+<file path=ppt/slides/slide9.xml><?xml version="1.0" encoding="utf-8"?>
+<p:sld xmlns:a="http://schemas.openxmlformats.org/drawingml/2006/main" xmlns:r="http://schemas.openxmlformats.org/officeDocument/2006/relationships" xmlns:p="http://schemas.openxmlformats.org/presentationml/2006/main">
+  <p:cSld>
+    <p:spTree>
+      <p:nvGrpSpPr>
+        <p:cNvPr id="1" name=""/>
+        <p:cNvGrpSpPr/>
+        <p:nvPr/>
+      </p:nvGrpSpPr>
+      <p:grpSpPr>
+        <a:xfrm>
+          <a:off x="0" y="0"/>
+          <a:ext cx="0" cy="0"/>
+          <a:chOff x="0" y="0"/>
+          <a:chExt cx="0" cy="0"/>
+        </a:xfrm>
+      </p:grpSpPr>
+      <p:pic>
+        <p:nvPicPr>
+          <p:cNvPr id="11" name="Obrázek 10">
+            <a:extLst>
+              <a:ext uri="{FF2B5EF4-FFF2-40B4-BE49-F238E27FC236}">
+                <a16:creationId xmlns:a16="http://schemas.microsoft.com/office/drawing/2014/main" id="{4FF4A0B8-B6D8-13AE-15A1-4B15C9EB02F7}"/>
+              </a:ext>
+            </a:extLst>
+          </p:cNvPr>
+          <p:cNvPicPr>
+            <a:picLocks noChangeAspect="1"/>
+          </p:cNvPicPr>
+          <p:nvPr/>
+        </p:nvPicPr>
+        <p:blipFill>
+          <a:blip r:embed="rId2" cstate="print">
+            <a:extLst>
+              <a:ext uri="{28A0092B-C50C-407E-A947-70E740481C1C}">
+                <a14:useLocalDpi xmlns:a14="http://schemas.microsoft.com/office/drawing/2010/main" val="0"/>
+              </a:ext>
+            </a:extLst>
+          </a:blip>
+          <a:stretch>
+            <a:fillRect/>
+          </a:stretch>
+        </p:blipFill>
+        <p:spPr>
+          <a:xfrm>
+            <a:off x="456285" y="166136"/>
+            <a:ext cx="2315515" cy="434160"/>
+          </a:xfrm>
+          <a:prstGeom prst="rect">
+            <a:avLst/>
+          </a:prstGeom>
+        </p:spPr>
+      </p:pic>
+      <p:sp>
+        <p:nvSpPr>
+          <p:cNvPr id="3" name="Zástupný symbol pro text 8"/>
+          <p:cNvSpPr>
+            <a:spLocks noGrp="1"/>
+          </p:cNvSpPr>
+          <p:nvPr>
+            <p:ph type="body" idx="1"/>
+          </p:nvPr>
+        </p:nvSpPr>
+        <p:spPr>
+          <a:xfrm>
+            <a:off x="457200" y="600296"/>
+            <a:ext cx="8229600" cy="5853040"/>
+          </a:xfrm>
+        </p:spPr>
+        <p:txBody>
+          <a:bodyPr/>
+          <a:lstStyle/>
+          <a:p>
+            <a:r>
+              <a:rPr lang="cs-CZ" dirty="0" err="1" smtClean="0"/>
+              <a:t>Terraform</a:t>
+            </a:r>
+            <a:r>
+              <a:rPr lang="cs-CZ" dirty="0" smtClean="0"/>
+              <a:t> </a:t>
+            </a:r>
+            <a:r>
+              <a:rPr lang="cs-CZ" dirty="0" err="1" smtClean="0"/>
+              <a:t>docs</a:t>
+            </a:r>
+            <a:endParaRPr lang="cs-CZ" dirty="0" smtClean="0"/>
+          </a:p>
+          <a:p>
+            <a:pPr lvl="1"/>
+            <a:endParaRPr lang="cs-CZ" dirty="0" smtClean="0"/>
+          </a:p>
+        </p:txBody>
+      </p:sp>
+    </p:spTree>
+    <p:extLst>
+      <p:ext uri="{BB962C8B-B14F-4D97-AF65-F5344CB8AC3E}">
+        <p14:creationId xmlns:p14="http://schemas.microsoft.com/office/powerpoint/2010/main" val="1251720318"/>
       </p:ext>
     </p:extLst>
   </p:cSld>
